--- a/Junit Testing Course.pptx
+++ b/Junit Testing Course.pptx
@@ -5,7 +5,7 @@
     <p:sldMasterId id="2147483648" r:id="rId4"/>
   </p:sldMasterIdLst>
   <p:notesMasterIdLst>
-    <p:notesMasterId r:id="rId17"/>
+    <p:notesMasterId r:id="rId18"/>
   </p:notesMasterIdLst>
   <p:sldIdLst>
     <p:sldId id="260" r:id="rId5"/>
@@ -16,10 +16,11 @@
     <p:sldId id="269" r:id="rId10"/>
     <p:sldId id="268" r:id="rId11"/>
     <p:sldId id="271" r:id="rId12"/>
-    <p:sldId id="270" r:id="rId13"/>
-    <p:sldId id="267" r:id="rId14"/>
-    <p:sldId id="273" r:id="rId15"/>
+    <p:sldId id="273" r:id="rId13"/>
+    <p:sldId id="270" r:id="rId14"/>
+    <p:sldId id="267" r:id="rId15"/>
     <p:sldId id="272" r:id="rId16"/>
+    <p:sldId id="274" r:id="rId17"/>
   </p:sldIdLst>
   <p:sldSz cx="12192000" cy="6858000"/>
   <p:notesSz cx="6858000" cy="9144000"/>
@@ -208,7 +209,7 @@
           <a:p>
             <a:fld id="{4B3F774C-70F7-4ED4-813C-739E51CF8487}" type="datetimeFigureOut">
               <a:rPr lang="en-US" smtClean="0"/>
-              <a:t>3/10/2024</a:t>
+              <a:t>3/30/2024</a:t>
             </a:fld>
             <a:endParaRPr lang="en-US" dirty="0"/>
           </a:p>
@@ -977,7 +978,7 @@
           <a:p>
             <a:fld id="{F9F2E34D-57B0-41D5-A7AF-DF10D1068115}" type="datetime1">
               <a:rPr lang="en-US" smtClean="0"/>
-              <a:t>3/10/2024</a:t>
+              <a:t>3/30/2024</a:t>
             </a:fld>
             <a:endParaRPr lang="en-US" dirty="0"/>
           </a:p>
@@ -1269,7 +1270,7 @@
           <a:p>
             <a:fld id="{DF6E8327-77F4-4A2B-9238-101C8E3404E4}" type="datetime1">
               <a:rPr lang="en-US" smtClean="0"/>
-              <a:t>3/10/2024</a:t>
+              <a:t>3/30/2024</a:t>
             </a:fld>
             <a:endParaRPr lang="en-US" dirty="0"/>
           </a:p>
@@ -1513,7 +1514,7 @@
           <a:p>
             <a:fld id="{5287327A-3B7B-4F18-AD00-4892CF91FF9D}" type="datetime1">
               <a:rPr lang="en-US" smtClean="0"/>
-              <a:t>3/10/2024</a:t>
+              <a:t>3/30/2024</a:t>
             </a:fld>
             <a:endParaRPr lang="en-US" dirty="0"/>
           </a:p>
@@ -2049,7 +2050,7 @@
           <a:p>
             <a:fld id="{84398241-E647-4007-AB01-BB30869910EB}" type="datetime1">
               <a:rPr lang="en-US" smtClean="0"/>
-              <a:t>3/10/2024</a:t>
+              <a:t>3/30/2024</a:t>
             </a:fld>
             <a:endParaRPr lang="en-US" dirty="0"/>
           </a:p>
@@ -2293,7 +2294,7 @@
           <a:p>
             <a:fld id="{A09F5554-C941-4C3B-A197-75ED448862A0}" type="datetime1">
               <a:rPr lang="en-US" smtClean="0"/>
-              <a:t>3/10/2024</a:t>
+              <a:t>3/30/2024</a:t>
             </a:fld>
             <a:endParaRPr lang="en-US" dirty="0"/>
           </a:p>
@@ -2821,7 +2822,7 @@
           <a:p>
             <a:fld id="{DC6B44A0-C3F8-4023-9352-7CF7C034B2C8}" type="datetime1">
               <a:rPr lang="en-US" smtClean="0"/>
-              <a:t>3/10/2024</a:t>
+              <a:t>3/30/2024</a:t>
             </a:fld>
             <a:endParaRPr lang="en-US" dirty="0"/>
           </a:p>
@@ -3114,7 +3115,7 @@
           <a:p>
             <a:fld id="{79C3DC5B-471F-47EA-B884-FE923235A560}" type="datetime1">
               <a:rPr lang="en-US" smtClean="0"/>
-              <a:t>3/10/2024</a:t>
+              <a:t>3/30/2024</a:t>
             </a:fld>
             <a:endParaRPr lang="en-US" dirty="0"/>
           </a:p>
@@ -3284,7 +3285,7 @@
           <a:p>
             <a:fld id="{03F8C408-3247-4796-93FF-B91D6887AEC0}" type="datetime1">
               <a:rPr lang="en-US" smtClean="0"/>
-              <a:t>3/10/2024</a:t>
+              <a:t>3/30/2024</a:t>
             </a:fld>
             <a:endParaRPr lang="en-US" dirty="0"/>
           </a:p>
@@ -3460,7 +3461,7 @@
           <a:p>
             <a:fld id="{BBA1D282-CC74-49F4-B876-75084EFB56F1}" type="datetime1">
               <a:rPr lang="en-US" smtClean="0"/>
-              <a:t>3/10/2024</a:t>
+              <a:t>3/30/2024</a:t>
             </a:fld>
             <a:endParaRPr lang="en-US" dirty="0"/>
           </a:p>
@@ -3626,7 +3627,7 @@
           <a:p>
             <a:fld id="{BF56EAF9-2583-4989-8D87-13F548ED6E0C}" type="datetime1">
               <a:rPr lang="en-US" smtClean="0"/>
-              <a:t>3/10/2024</a:t>
+              <a:t>3/30/2024</a:t>
             </a:fld>
             <a:endParaRPr lang="en-US" dirty="0"/>
           </a:p>
@@ -3873,7 +3874,7 @@
           <a:p>
             <a:fld id="{B70E3CFB-BB1B-4B2A-ADF6-B1A4609854C4}" type="datetime1">
               <a:rPr lang="en-US" smtClean="0"/>
-              <a:t>3/10/2024</a:t>
+              <a:t>3/30/2024</a:t>
             </a:fld>
             <a:endParaRPr lang="en-US" dirty="0"/>
           </a:p>
@@ -4166,7 +4167,7 @@
           <a:p>
             <a:fld id="{2B3AEAA8-1A97-412E-935C-2E918F139579}" type="datetime1">
               <a:rPr lang="en-US" smtClean="0"/>
-              <a:t>3/10/2024</a:t>
+              <a:t>3/30/2024</a:t>
             </a:fld>
             <a:endParaRPr lang="en-US" dirty="0"/>
           </a:p>
@@ -4604,7 +4605,7 @@
           <a:p>
             <a:fld id="{638B0DF1-CA1F-4E36-8C65-C52A9896A8FB}" type="datetime1">
               <a:rPr lang="en-US" smtClean="0"/>
-              <a:t>3/10/2024</a:t>
+              <a:t>3/30/2024</a:t>
             </a:fld>
             <a:endParaRPr lang="en-US" dirty="0"/>
           </a:p>
@@ -4718,7 +4719,7 @@
           <a:p>
             <a:fld id="{DB6173FD-197A-4AD6-8D60-38B6A76F0734}" type="datetime1">
               <a:rPr lang="en-US" smtClean="0"/>
-              <a:t>3/10/2024</a:t>
+              <a:t>3/30/2024</a:t>
             </a:fld>
             <a:endParaRPr lang="en-US" dirty="0"/>
           </a:p>
@@ -4809,7 +4810,7 @@
           <a:p>
             <a:fld id="{6BDC3949-07FA-4C7A-A990-D6D1043EED71}" type="datetime1">
               <a:rPr lang="en-US" smtClean="0"/>
-              <a:t>3/10/2024</a:t>
+              <a:t>3/30/2024</a:t>
             </a:fld>
             <a:endParaRPr lang="en-US" dirty="0"/>
           </a:p>
@@ -5088,7 +5089,7 @@
           <a:p>
             <a:fld id="{2E9E2DE8-6D13-4218-A974-D45AA7B6E4FF}" type="datetime1">
               <a:rPr lang="en-US" smtClean="0"/>
-              <a:t>3/10/2024</a:t>
+              <a:t>3/30/2024</a:t>
             </a:fld>
             <a:endParaRPr lang="en-US" dirty="0"/>
           </a:p>
@@ -5375,7 +5376,7 @@
           <a:p>
             <a:fld id="{9CDAB7D7-4BDA-4ABC-B31D-66201C69A314}" type="datetime1">
               <a:rPr lang="en-US" smtClean="0"/>
-              <a:t>3/10/2024</a:t>
+              <a:t>3/30/2024</a:t>
             </a:fld>
             <a:endParaRPr lang="en-US" dirty="0"/>
           </a:p>
@@ -5901,7 +5902,7 @@
           <a:p>
             <a:fld id="{4E3F0A0B-291C-4112-A023-023C51AB2E85}" type="datetime1">
               <a:rPr lang="en-US" smtClean="0"/>
-              <a:t>3/10/2024</a:t>
+              <a:t>3/30/2024</a:t>
             </a:fld>
             <a:endParaRPr lang="en-US" dirty="0"/>
           </a:p>
@@ -7660,227 +7661,40 @@
           </p:txBody>
         </p:sp>
       </p:grpSp>
-      <p:sp>
-        <p:nvSpPr>
-          <p:cNvPr id="2" name="TextBox 1">
+      <p:pic>
+        <p:nvPicPr>
+          <p:cNvPr id="7" name="Picture 6">
             <a:extLst>
               <a:ext uri="{FF2B5EF4-FFF2-40B4-BE49-F238E27FC236}">
-                <a16:creationId xmlns:a16="http://schemas.microsoft.com/office/drawing/2014/main" id="{6311912D-650F-BCB4-C6D8-FF3E76626C54}"/>
+                <a16:creationId xmlns:a16="http://schemas.microsoft.com/office/drawing/2014/main" id="{1432848D-5F55-DA4F-F4DB-626B78244301}"/>
               </a:ext>
             </a:extLst>
           </p:cNvPr>
-          <p:cNvSpPr txBox="1"/>
+          <p:cNvPicPr>
+            <a:picLocks noChangeAspect="1"/>
+          </p:cNvPicPr>
           <p:nvPr/>
-        </p:nvSpPr>
+        </p:nvPicPr>
+        <p:blipFill>
+          <a:blip r:embed="rId2"/>
+          <a:stretch>
+            <a:fillRect/>
+          </a:stretch>
+        </p:blipFill>
         <p:spPr>
           <a:xfrm>
-            <a:off x="41580" y="322718"/>
-            <a:ext cx="10787190" cy="1631216"/>
+            <a:off x="752322" y="1068087"/>
+            <a:ext cx="7430144" cy="4328535"/>
           </a:xfrm>
           <a:prstGeom prst="rect">
             <a:avLst/>
           </a:prstGeom>
-          <a:noFill/>
         </p:spPr>
-        <p:txBody>
-          <a:bodyPr wrap="square" rtlCol="0">
-            <a:spAutoFit/>
-          </a:bodyPr>
-          <a:lstStyle/>
-          <a:p>
-            <a:r>
-              <a:rPr lang="en-IN" sz="2600" b="1" dirty="0">
-                <a:solidFill>
-                  <a:srgbClr val="00B050"/>
-                </a:solidFill>
-              </a:rPr>
-              <a:t>What is Mocking?</a:t>
-            </a:r>
-            <a:endParaRPr lang="en-IN" sz="2600" dirty="0">
-              <a:solidFill>
-                <a:srgbClr val="00B050"/>
-              </a:solidFill>
-            </a:endParaRPr>
-          </a:p>
-          <a:p>
-            <a:r>
-              <a:rPr lang="en-IN" sz="2000" dirty="0"/>
-              <a:t>Mocking is a process used in unit testing when the unit being tested has external dependencies.</a:t>
-            </a:r>
-          </a:p>
-          <a:p>
-            <a:endParaRPr lang="en-IN" sz="2800" dirty="0"/>
-          </a:p>
-          <a:p>
-            <a:endParaRPr lang="en-IN" sz="2600" dirty="0">
-              <a:solidFill>
-                <a:srgbClr val="00B050"/>
-              </a:solidFill>
-            </a:endParaRPr>
-          </a:p>
-        </p:txBody>
-      </p:sp>
-      <p:sp>
-        <p:nvSpPr>
-          <p:cNvPr id="6" name="TextBox 5">
-            <a:extLst>
-              <a:ext uri="{FF2B5EF4-FFF2-40B4-BE49-F238E27FC236}">
-                <a16:creationId xmlns:a16="http://schemas.microsoft.com/office/drawing/2014/main" id="{E3758BC1-43BC-B92A-8C34-F915265F3309}"/>
-              </a:ext>
-            </a:extLst>
-          </p:cNvPr>
-          <p:cNvSpPr txBox="1"/>
-          <p:nvPr/>
-        </p:nvSpPr>
-        <p:spPr>
-          <a:xfrm>
-            <a:off x="-49136" y="4054519"/>
-            <a:ext cx="10243265" cy="1046440"/>
-          </a:xfrm>
-          <a:prstGeom prst="rect">
-            <a:avLst/>
-          </a:prstGeom>
-          <a:noFill/>
-        </p:spPr>
-        <p:txBody>
-          <a:bodyPr wrap="square">
-            <a:spAutoFit/>
-          </a:bodyPr>
-          <a:lstStyle/>
-          <a:p>
-            <a:r>
-              <a:rPr lang="en-IN" sz="2600" b="1" dirty="0">
-                <a:solidFill>
-                  <a:srgbClr val="00B050"/>
-                </a:solidFill>
-              </a:rPr>
-              <a:t>When we use mocking?</a:t>
-            </a:r>
-          </a:p>
-          <a:p>
-            <a:r>
-              <a:rPr lang="en-IN" dirty="0"/>
-              <a:t>Whenever a component has some external dependencies we will go for mocking.</a:t>
-            </a:r>
-          </a:p>
-          <a:p>
-            <a:endParaRPr lang="en-IN" dirty="0"/>
-          </a:p>
-        </p:txBody>
-      </p:sp>
-      <p:sp>
-        <p:nvSpPr>
-          <p:cNvPr id="8" name="TextBox 7">
-            <a:extLst>
-              <a:ext uri="{FF2B5EF4-FFF2-40B4-BE49-F238E27FC236}">
-                <a16:creationId xmlns:a16="http://schemas.microsoft.com/office/drawing/2014/main" id="{B558BFE7-E604-C391-F558-DCFE0B8CED6C}"/>
-              </a:ext>
-            </a:extLst>
-          </p:cNvPr>
-          <p:cNvSpPr txBox="1"/>
-          <p:nvPr/>
-        </p:nvSpPr>
-        <p:spPr>
-          <a:xfrm>
-            <a:off x="8896" y="2131606"/>
-            <a:ext cx="10787191" cy="1508105"/>
-          </a:xfrm>
-          <a:prstGeom prst="rect">
-            <a:avLst/>
-          </a:prstGeom>
-          <a:noFill/>
-        </p:spPr>
-        <p:txBody>
-          <a:bodyPr wrap="square">
-            <a:spAutoFit/>
-          </a:bodyPr>
-          <a:lstStyle/>
-          <a:p>
-            <a:r>
-              <a:rPr lang="en-IN" sz="2600" b="1" dirty="0">
-                <a:solidFill>
-                  <a:srgbClr val="00B050"/>
-                </a:solidFill>
-              </a:rPr>
-              <a:t>Why we are using mocking?</a:t>
-            </a:r>
-          </a:p>
-          <a:p>
-            <a:r>
-              <a:rPr lang="en-IN" sz="2000" dirty="0"/>
-              <a:t>The purpose of mocking is to achieve an isolated manner of testing and focus on the code being tested and not on the </a:t>
-            </a:r>
-            <a:r>
-              <a:rPr lang="en-IN" sz="2000" dirty="0" err="1"/>
-              <a:t>behavior</a:t>
-            </a:r>
-            <a:r>
-              <a:rPr lang="en-IN" sz="2000" dirty="0"/>
-              <a:t> or state of external dependencies.</a:t>
-            </a:r>
-          </a:p>
-          <a:p>
-            <a:endParaRPr lang="en-IN" sz="2600" b="1" dirty="0">
-              <a:solidFill>
-                <a:srgbClr val="00B050"/>
-              </a:solidFill>
-            </a:endParaRPr>
-          </a:p>
-        </p:txBody>
-      </p:sp>
-      <p:sp>
-        <p:nvSpPr>
-          <p:cNvPr id="10" name="TextBox 9">
-            <a:extLst>
-              <a:ext uri="{FF2B5EF4-FFF2-40B4-BE49-F238E27FC236}">
-                <a16:creationId xmlns:a16="http://schemas.microsoft.com/office/drawing/2014/main" id="{A9472B76-5D8D-6198-A983-5E83BF8B2D2B}"/>
-              </a:ext>
-            </a:extLst>
-          </p:cNvPr>
-          <p:cNvSpPr txBox="1"/>
-          <p:nvPr/>
-        </p:nvSpPr>
-        <p:spPr>
-          <a:xfrm>
-            <a:off x="41580" y="5374153"/>
-            <a:ext cx="10994873" cy="707886"/>
-          </a:xfrm>
-          <a:prstGeom prst="rect">
-            <a:avLst/>
-          </a:prstGeom>
-          <a:noFill/>
-        </p:spPr>
-        <p:txBody>
-          <a:bodyPr wrap="square">
-            <a:spAutoFit/>
-          </a:bodyPr>
-          <a:lstStyle/>
-          <a:p>
-            <a:r>
-              <a:rPr lang="en-IN" sz="2000" dirty="0">
-                <a:solidFill>
-                  <a:srgbClr val="FFC000"/>
-                </a:solidFill>
-              </a:rPr>
-              <a:t>There are three main possible types of replacement objects - fakes, stubs</a:t>
-            </a:r>
-          </a:p>
-          <a:p>
-            <a:r>
-              <a:rPr lang="en-IN" sz="2000" dirty="0">
-                <a:solidFill>
-                  <a:srgbClr val="FFC000"/>
-                </a:solidFill>
-              </a:rPr>
-              <a:t>and mocks</a:t>
-            </a:r>
-          </a:p>
-        </p:txBody>
-      </p:sp>
+      </p:pic>
     </p:spTree>
     <p:extLst>
       <p:ext uri="{BB962C8B-B14F-4D97-AF65-F5344CB8AC3E}">
-        <p14:creationId xmlns:p14="http://schemas.microsoft.com/office/powerpoint/2010/main" val="806336565"/>
+        <p14:creationId xmlns:p14="http://schemas.microsoft.com/office/powerpoint/2010/main" val="2876410165"/>
       </p:ext>
     </p:extLst>
   </p:cSld>
@@ -8436,10 +8250,10 @@
       </p:grpSp>
       <p:sp>
         <p:nvSpPr>
-          <p:cNvPr id="3" name="TextBox 2">
+          <p:cNvPr id="2" name="TextBox 1">
             <a:extLst>
               <a:ext uri="{FF2B5EF4-FFF2-40B4-BE49-F238E27FC236}">
-                <a16:creationId xmlns:a16="http://schemas.microsoft.com/office/drawing/2014/main" id="{3C081420-CDA3-45C5-9ED2-9D987BB8F1AC}"/>
+                <a16:creationId xmlns:a16="http://schemas.microsoft.com/office/drawing/2014/main" id="{6311912D-650F-BCB4-C6D8-FF3E76626C54}"/>
               </a:ext>
             </a:extLst>
           </p:cNvPr>
@@ -8448,8 +8262,61 @@
         </p:nvSpPr>
         <p:spPr>
           <a:xfrm>
-            <a:off x="165252" y="1760704"/>
-            <a:ext cx="10129122" cy="1938992"/>
+            <a:off x="41580" y="322718"/>
+            <a:ext cx="10787190" cy="1231106"/>
+          </a:xfrm>
+          <a:prstGeom prst="rect">
+            <a:avLst/>
+          </a:prstGeom>
+          <a:noFill/>
+        </p:spPr>
+        <p:txBody>
+          <a:bodyPr wrap="square" rtlCol="0">
+            <a:spAutoFit/>
+          </a:bodyPr>
+          <a:lstStyle/>
+          <a:p>
+            <a:r>
+              <a:rPr lang="en-IN" sz="2600" b="1" dirty="0">
+                <a:solidFill>
+                  <a:srgbClr val="00B050"/>
+                </a:solidFill>
+              </a:rPr>
+              <a:t>What is Mocking?</a:t>
+            </a:r>
+            <a:endParaRPr lang="en-IN" sz="2600" dirty="0">
+              <a:solidFill>
+                <a:srgbClr val="00B050"/>
+              </a:solidFill>
+            </a:endParaRPr>
+          </a:p>
+          <a:p>
+            <a:r>
+              <a:rPr lang="en-IN" sz="2000" dirty="0"/>
+              <a:t>Mocking is a process used in unit testing when the unit being tested has external dependencies.</a:t>
+            </a:r>
+          </a:p>
+          <a:p>
+            <a:endParaRPr lang="en-IN" sz="2800" dirty="0"/>
+          </a:p>
+        </p:txBody>
+      </p:sp>
+      <p:sp>
+        <p:nvSpPr>
+          <p:cNvPr id="6" name="TextBox 5">
+            <a:extLst>
+              <a:ext uri="{FF2B5EF4-FFF2-40B4-BE49-F238E27FC236}">
+                <a16:creationId xmlns:a16="http://schemas.microsoft.com/office/drawing/2014/main" id="{E3758BC1-43BC-B92A-8C34-F915265F3309}"/>
+              </a:ext>
+            </a:extLst>
+          </p:cNvPr>
+          <p:cNvSpPr txBox="1"/>
+          <p:nvPr/>
+        </p:nvSpPr>
+        <p:spPr>
+          <a:xfrm>
+            <a:off x="-49136" y="4054519"/>
+            <a:ext cx="10243265" cy="1046440"/>
           </a:xfrm>
           <a:prstGeom prst="rect">
             <a:avLst/>
@@ -8463,48 +8330,31 @@
           <a:lstStyle/>
           <a:p>
             <a:r>
-              <a:rPr lang="en-IN" sz="2000" b="1" dirty="0">
-                <a:solidFill>
-                  <a:srgbClr val="FFC000"/>
+              <a:rPr lang="en-IN" sz="2600" b="1" dirty="0">
+                <a:solidFill>
+                  <a:srgbClr val="00B050"/>
                 </a:solidFill>
               </a:rPr>
-              <a:t>There are 2 types of Mocking Frameworks are available</a:t>
-            </a:r>
-          </a:p>
-          <a:p>
-            <a:endParaRPr lang="en-IN" sz="2000" dirty="0"/>
-          </a:p>
-          <a:p>
-            <a:r>
-              <a:rPr lang="en-IN" sz="2000" dirty="0"/>
-              <a:t> Stub-Based Mock Frameworks (Ex: Easy Mock) (final methods, final class, private methods is not supported).</a:t>
-            </a:r>
-          </a:p>
-          <a:p>
-            <a:endParaRPr lang="en-IN" sz="2000" dirty="0"/>
-          </a:p>
-          <a:p>
-            <a:r>
-              <a:rPr lang="en-IN" sz="2000" dirty="0"/>
-              <a:t> </a:t>
-            </a:r>
-            <a:r>
-              <a:rPr lang="en-IN" sz="2000" dirty="0" err="1"/>
-              <a:t>ByteCode</a:t>
-            </a:r>
-            <a:r>
-              <a:rPr lang="en-IN" sz="2000" dirty="0"/>
-              <a:t> Manipulation-Based Mock Frameworks (Ex: Power Mock)</a:t>
-            </a:r>
+              <a:t>When we use mocking?</a:t>
+            </a:r>
+          </a:p>
+          <a:p>
+            <a:r>
+              <a:rPr lang="en-IN" dirty="0"/>
+              <a:t>Whenever a component has some external dependencies we will go for mocking.</a:t>
+            </a:r>
+          </a:p>
+          <a:p>
+            <a:endParaRPr lang="en-IN" dirty="0"/>
           </a:p>
         </p:txBody>
       </p:sp>
       <p:sp>
         <p:nvSpPr>
-          <p:cNvPr id="5" name="TextBox 4">
+          <p:cNvPr id="8" name="TextBox 7">
             <a:extLst>
               <a:ext uri="{FF2B5EF4-FFF2-40B4-BE49-F238E27FC236}">
-                <a16:creationId xmlns:a16="http://schemas.microsoft.com/office/drawing/2014/main" id="{E4F57BE5-2337-E36B-E77B-A956200F398A}"/>
+                <a16:creationId xmlns:a16="http://schemas.microsoft.com/office/drawing/2014/main" id="{B558BFE7-E604-C391-F558-DCFE0B8CED6C}"/>
               </a:ext>
             </a:extLst>
           </p:cNvPr>
@@ -8513,8 +8363,8 @@
         </p:nvSpPr>
         <p:spPr>
           <a:xfrm>
-            <a:off x="308421" y="530527"/>
-            <a:ext cx="6096000" cy="492443"/>
+            <a:off x="0" y="2131606"/>
+            <a:ext cx="10787191" cy="1508105"/>
           </a:xfrm>
           <a:prstGeom prst="rect">
             <a:avLst/>
@@ -8533,15 +8383,36 @@
                   <a:srgbClr val="00B050"/>
                 </a:solidFill>
               </a:rPr>
-              <a:t>Mock Frameworks:</a:t>
-            </a:r>
+              <a:t>Why we are using mocking?</a:t>
+            </a:r>
+          </a:p>
+          <a:p>
+            <a:r>
+              <a:rPr lang="en-IN" sz="2000" dirty="0"/>
+              <a:t>The purpose of mocking is to achieve an isolated manner of testing and focus on the code being tested and not on the </a:t>
+            </a:r>
+            <a:r>
+              <a:rPr lang="en-IN" sz="2000" dirty="0" err="1"/>
+              <a:t>behavior</a:t>
+            </a:r>
+            <a:r>
+              <a:rPr lang="en-IN" sz="2000" dirty="0"/>
+              <a:t> or state of external dependencies.</a:t>
+            </a:r>
+          </a:p>
+          <a:p>
+            <a:endParaRPr lang="en-IN" sz="2600" b="1" dirty="0">
+              <a:solidFill>
+                <a:srgbClr val="00B050"/>
+              </a:solidFill>
+            </a:endParaRPr>
           </a:p>
         </p:txBody>
       </p:sp>
     </p:spTree>
     <p:extLst>
       <p:ext uri="{BB962C8B-B14F-4D97-AF65-F5344CB8AC3E}">
-        <p14:creationId xmlns:p14="http://schemas.microsoft.com/office/powerpoint/2010/main" val="3151523767"/>
+        <p14:creationId xmlns:p14="http://schemas.microsoft.com/office/powerpoint/2010/main" val="806336565"/>
       </p:ext>
     </p:extLst>
   </p:cSld>
@@ -8584,10 +8455,10 @@
       </p:grpSpPr>
       <p:sp useBgFill="1">
         <p:nvSpPr>
-          <p:cNvPr id="21" name="Rectangle 20">
+          <p:cNvPr id="34" name="Rectangle 33">
             <a:extLst>
               <a:ext uri="{FF2B5EF4-FFF2-40B4-BE49-F238E27FC236}">
-                <a16:creationId xmlns:a16="http://schemas.microsoft.com/office/drawing/2014/main" id="{5FAECB38-53BB-54E7-9F3D-B1925CCE64A4}"/>
+                <a16:creationId xmlns:a16="http://schemas.microsoft.com/office/drawing/2014/main" id="{E5A92FE9-DB05-4D0D-AF5A-BE8664B9FFB4}"/>
               </a:ext>
               <a:ext uri="{C183D7F6-B498-43B3-948B-1728B52AA6E4}">
                 <adec:decorative xmlns:adec="http://schemas.microsoft.com/office/drawing/2017/decorative" val="1"/>
@@ -8644,10 +8515,10 @@
       </p:sp>
       <p:grpSp>
         <p:nvGrpSpPr>
-          <p:cNvPr id="23" name="Group 22">
+          <p:cNvPr id="36" name="Group 35">
             <a:extLst>
               <a:ext uri="{FF2B5EF4-FFF2-40B4-BE49-F238E27FC236}">
-                <a16:creationId xmlns:a16="http://schemas.microsoft.com/office/drawing/2014/main" id="{6BAA51AE-2BDB-AF3C-F4B9-E02155B8D4C1}"/>
+                <a16:creationId xmlns:a16="http://schemas.microsoft.com/office/drawing/2014/main" id="{53D9B26A-5143-49A7-BA98-D871D5BD719A}"/>
               </a:ext>
               <a:ext uri="{C183D7F6-B498-43B3-948B-1728B52AA6E4}">
                 <adec:decorative xmlns:adec="http://schemas.microsoft.com/office/drawing/2017/decorative" val="1"/>
@@ -8675,10 +8546,10 @@
         </p:grpSpPr>
         <p:sp>
           <p:nvSpPr>
-            <p:cNvPr id="24" name="Freeform 6">
+            <p:cNvPr id="37" name="Freeform 6">
               <a:extLst>
                 <a:ext uri="{FF2B5EF4-FFF2-40B4-BE49-F238E27FC236}">
-                  <a16:creationId xmlns:a16="http://schemas.microsoft.com/office/drawing/2014/main" id="{DF3BBD09-B19C-37FB-5DC6-0071BDDD2E17}"/>
+                  <a16:creationId xmlns:a16="http://schemas.microsoft.com/office/drawing/2014/main" id="{68B85E55-A2A1-4682-B891-F201358A92D5}"/>
                 </a:ext>
                 <a:ext uri="{C183D7F6-B498-43B3-948B-1728B52AA6E4}">
                   <adec:decorative xmlns:adec="http://schemas.microsoft.com/office/drawing/2017/decorative" val="1"/>
@@ -8733,20 +8604,13 @@
               <a:noFill/>
             </a:ln>
           </p:spPr>
-          <p:txBody>
-            <a:bodyPr/>
-            <a:lstStyle/>
-            <a:p>
-              <a:endParaRPr lang="en-IN"/>
-            </a:p>
-          </p:txBody>
         </p:sp>
         <p:sp>
           <p:nvSpPr>
-            <p:cNvPr id="25" name="Freeform 7">
+            <p:cNvPr id="38" name="Freeform 7">
               <a:extLst>
                 <a:ext uri="{FF2B5EF4-FFF2-40B4-BE49-F238E27FC236}">
-                  <a16:creationId xmlns:a16="http://schemas.microsoft.com/office/drawing/2014/main" id="{F3C1E381-3FFE-97D5-51DF-0DE1A290EDFD}"/>
+                  <a16:creationId xmlns:a16="http://schemas.microsoft.com/office/drawing/2014/main" id="{45EF6EDB-9B5D-49E9-96FA-1AE08BF95E57}"/>
                 </a:ext>
                 <a:ext uri="{C183D7F6-B498-43B3-948B-1728B52AA6E4}">
                   <adec:decorative xmlns:adec="http://schemas.microsoft.com/office/drawing/2017/decorative" val="1"/>
@@ -8804,20 +8668,13 @@
               <a:noFill/>
             </a:ln>
           </p:spPr>
-          <p:txBody>
-            <a:bodyPr/>
-            <a:lstStyle/>
-            <a:p>
-              <a:endParaRPr lang="en-IN"/>
-            </a:p>
-          </p:txBody>
         </p:sp>
         <p:sp>
           <p:nvSpPr>
-            <p:cNvPr id="26" name="Freeform 12">
+            <p:cNvPr id="39" name="Freeform 12">
               <a:extLst>
                 <a:ext uri="{FF2B5EF4-FFF2-40B4-BE49-F238E27FC236}">
-                  <a16:creationId xmlns:a16="http://schemas.microsoft.com/office/drawing/2014/main" id="{FB8E6211-1C84-9009-2D95-9CD88272F3D2}"/>
+                  <a16:creationId xmlns:a16="http://schemas.microsoft.com/office/drawing/2014/main" id="{38338226-D6E2-4EEE-B271-DB4BD096DBA1}"/>
                 </a:ext>
                 <a:ext uri="{C183D7F6-B498-43B3-948B-1728B52AA6E4}">
                   <adec:decorative xmlns:adec="http://schemas.microsoft.com/office/drawing/2017/decorative" val="1"/>
@@ -8869,20 +8726,13 @@
               <a:noFill/>
             </a:ln>
           </p:spPr>
-          <p:txBody>
-            <a:bodyPr/>
-            <a:lstStyle/>
-            <a:p>
-              <a:endParaRPr lang="en-IN"/>
-            </a:p>
-          </p:txBody>
         </p:sp>
         <p:sp>
           <p:nvSpPr>
-            <p:cNvPr id="27" name="Freeform 13">
+            <p:cNvPr id="40" name="Freeform 13">
               <a:extLst>
                 <a:ext uri="{FF2B5EF4-FFF2-40B4-BE49-F238E27FC236}">
-                  <a16:creationId xmlns:a16="http://schemas.microsoft.com/office/drawing/2014/main" id="{625C8B86-69E4-F139-AC71-925F762496F8}"/>
+                  <a16:creationId xmlns:a16="http://schemas.microsoft.com/office/drawing/2014/main" id="{4878FB48-17B3-4A11-8025-DE0945CD4E71}"/>
                 </a:ext>
                 <a:ext uri="{C183D7F6-B498-43B3-948B-1728B52AA6E4}">
                   <adec:decorative xmlns:adec="http://schemas.microsoft.com/office/drawing/2017/decorative" val="1"/>
@@ -8936,20 +8786,13 @@
               <a:noFill/>
             </a:ln>
           </p:spPr>
-          <p:txBody>
-            <a:bodyPr/>
-            <a:lstStyle/>
-            <a:p>
-              <a:endParaRPr lang="en-IN"/>
-            </a:p>
-          </p:txBody>
         </p:sp>
         <p:sp>
           <p:nvSpPr>
-            <p:cNvPr id="28" name="Freeform 14">
+            <p:cNvPr id="41" name="Freeform 14">
               <a:extLst>
                 <a:ext uri="{FF2B5EF4-FFF2-40B4-BE49-F238E27FC236}">
-                  <a16:creationId xmlns:a16="http://schemas.microsoft.com/office/drawing/2014/main" id="{B758E094-FCC2-DD72-357F-3765B92C1CB0}"/>
+                  <a16:creationId xmlns:a16="http://schemas.microsoft.com/office/drawing/2014/main" id="{4150A21C-DD6D-4D3C-9E95-7A3CA263BEB9}"/>
                 </a:ext>
                 <a:ext uri="{C183D7F6-B498-43B3-948B-1728B52AA6E4}">
                   <adec:decorative xmlns:adec="http://schemas.microsoft.com/office/drawing/2017/decorative" val="1"/>
@@ -9009,20 +8852,13 @@
               <a:noFill/>
             </a:ln>
           </p:spPr>
-          <p:txBody>
-            <a:bodyPr/>
-            <a:lstStyle/>
-            <a:p>
-              <a:endParaRPr lang="en-IN"/>
-            </a:p>
-          </p:txBody>
         </p:sp>
         <p:sp>
           <p:nvSpPr>
-            <p:cNvPr id="29" name="Freeform 15">
+            <p:cNvPr id="42" name="Freeform 15">
               <a:extLst>
                 <a:ext uri="{FF2B5EF4-FFF2-40B4-BE49-F238E27FC236}">
-                  <a16:creationId xmlns:a16="http://schemas.microsoft.com/office/drawing/2014/main" id="{E6F77478-EABE-9D7F-A9B7-D7A25F9D08F1}"/>
+                  <a16:creationId xmlns:a16="http://schemas.microsoft.com/office/drawing/2014/main" id="{7505BF04-104D-4180-A284-42FCD6B04DD6}"/>
                 </a:ext>
                 <a:ext uri="{C183D7F6-B498-43B3-948B-1728B52AA6E4}">
                   <adec:decorative xmlns:adec="http://schemas.microsoft.com/office/drawing/2017/decorative" val="1"/>
@@ -9086,19 +8922,912 @@
               <a:noFill/>
             </a:ln>
           </p:spPr>
-          <p:txBody>
-            <a:bodyPr/>
-            <a:lstStyle/>
-            <a:p>
-              <a:endParaRPr lang="en-IN"/>
-            </a:p>
-          </p:txBody>
         </p:sp>
       </p:grpSp>
+      <p:sp>
+        <p:nvSpPr>
+          <p:cNvPr id="2" name="TextBox 1">
+            <a:extLst>
+              <a:ext uri="{FF2B5EF4-FFF2-40B4-BE49-F238E27FC236}">
+                <a16:creationId xmlns:a16="http://schemas.microsoft.com/office/drawing/2014/main" id="{8B401B3B-1C60-996E-CA90-F7DD33479DAE}"/>
+              </a:ext>
+            </a:extLst>
+          </p:cNvPr>
+          <p:cNvSpPr txBox="1"/>
+          <p:nvPr/>
+        </p:nvSpPr>
+        <p:spPr>
+          <a:xfrm>
+            <a:off x="1018190" y="924232"/>
+            <a:ext cx="8174971" cy="3285866"/>
+          </a:xfrm>
+          <a:prstGeom prst="rect">
+            <a:avLst/>
+          </a:prstGeom>
+        </p:spPr>
+        <p:txBody>
+          <a:bodyPr vert="horz" lIns="91440" tIns="45720" rIns="91440" bIns="45720" rtlCol="0" anchor="b">
+            <a:normAutofit/>
+          </a:bodyPr>
+          <a:lstStyle/>
+          <a:p>
+            <a:pPr>
+              <a:spcBef>
+                <a:spcPct val="0"/>
+              </a:spcBef>
+              <a:spcAft>
+                <a:spcPts val="600"/>
+              </a:spcAft>
+            </a:pPr>
+            <a:endParaRPr lang="en-US" sz="4800" b="1" dirty="0">
+              <a:ln w="3175" cmpd="sng">
+                <a:noFill/>
+              </a:ln>
+              <a:solidFill>
+                <a:srgbClr val="00B050"/>
+              </a:solidFill>
+              <a:latin typeface="+mj-lt"/>
+              <a:ea typeface="+mj-ea"/>
+              <a:cs typeface="+mj-cs"/>
+            </a:endParaRPr>
+          </a:p>
+        </p:txBody>
+      </p:sp>
+      <p:sp>
+        <p:nvSpPr>
+          <p:cNvPr id="3" name="TextBox 2">
+            <a:extLst>
+              <a:ext uri="{FF2B5EF4-FFF2-40B4-BE49-F238E27FC236}">
+                <a16:creationId xmlns:a16="http://schemas.microsoft.com/office/drawing/2014/main" id="{875D911B-100A-C519-6653-7CA79901D02F}"/>
+              </a:ext>
+            </a:extLst>
+          </p:cNvPr>
+          <p:cNvSpPr txBox="1"/>
+          <p:nvPr/>
+        </p:nvSpPr>
+        <p:spPr>
+          <a:xfrm rot="10800000" flipH="1" flipV="1">
+            <a:off x="137061" y="24713"/>
+            <a:ext cx="3659688" cy="584775"/>
+          </a:xfrm>
+          <a:prstGeom prst="rect">
+            <a:avLst/>
+          </a:prstGeom>
+          <a:noFill/>
+        </p:spPr>
+        <p:txBody>
+          <a:bodyPr wrap="square" rtlCol="0">
+            <a:spAutoFit/>
+          </a:bodyPr>
+          <a:lstStyle/>
+          <a:p>
+            <a:r>
+              <a:rPr lang="en-IN" sz="3200" b="1" dirty="0">
+                <a:solidFill>
+                  <a:srgbClr val="00B050"/>
+                </a:solidFill>
+              </a:rPr>
+              <a:t>Mock Frameworks </a:t>
+            </a:r>
+          </a:p>
+        </p:txBody>
+      </p:sp>
+      <p:sp>
+        <p:nvSpPr>
+          <p:cNvPr id="4" name="TextBox 3">
+            <a:extLst>
+              <a:ext uri="{FF2B5EF4-FFF2-40B4-BE49-F238E27FC236}">
+                <a16:creationId xmlns:a16="http://schemas.microsoft.com/office/drawing/2014/main" id="{4CB11730-D17D-ABF8-328F-B63992C6BFFD}"/>
+              </a:ext>
+            </a:extLst>
+          </p:cNvPr>
+          <p:cNvSpPr txBox="1"/>
+          <p:nvPr/>
+        </p:nvSpPr>
+        <p:spPr>
+          <a:xfrm>
+            <a:off x="120332" y="983053"/>
+            <a:ext cx="10915049" cy="4247317"/>
+          </a:xfrm>
+          <a:prstGeom prst="rect">
+            <a:avLst/>
+          </a:prstGeom>
+          <a:noFill/>
+        </p:spPr>
+        <p:txBody>
+          <a:bodyPr wrap="square" rtlCol="0">
+            <a:spAutoFit/>
+          </a:bodyPr>
+          <a:lstStyle/>
+          <a:p>
+            <a:r>
+              <a:rPr lang="en-IN" dirty="0"/>
+              <a:t>There are multiple mocking  frameworks are available :</a:t>
+            </a:r>
+          </a:p>
+          <a:p>
+            <a:endParaRPr lang="en-IN" dirty="0"/>
+          </a:p>
+          <a:p>
+            <a:r>
+              <a:rPr lang="en-IN" b="1" dirty="0">
+                <a:solidFill>
+                  <a:schemeClr val="accent3"/>
+                </a:solidFill>
+              </a:rPr>
+              <a:t>Easy Mock :</a:t>
+            </a:r>
+          </a:p>
+          <a:p>
+            <a:r>
+              <a:rPr lang="en-IN" b="0" i="0" dirty="0">
+                <a:solidFill>
+                  <a:srgbClr val="ECECEC"/>
+                </a:solidFill>
+                <a:effectLst/>
+                <a:latin typeface="Söhne"/>
+              </a:rPr>
+              <a:t>Proxy-based mock framework (focuses on interfaces and classes but does not support final methods, final classes, or private methods).</a:t>
+            </a:r>
+            <a:endParaRPr lang="en-IN" dirty="0"/>
+          </a:p>
+          <a:p>
+            <a:endParaRPr lang="en-IN" dirty="0"/>
+          </a:p>
+          <a:p>
+            <a:br>
+              <a:rPr lang="en-IN" dirty="0"/>
+            </a:br>
+            <a:r>
+              <a:rPr lang="en-IN" b="1" i="0" dirty="0" err="1">
+                <a:solidFill>
+                  <a:schemeClr val="accent3"/>
+                </a:solidFill>
+                <a:effectLst/>
+                <a:latin typeface="Söhne"/>
+              </a:rPr>
+              <a:t>PowerMock</a:t>
+            </a:r>
+            <a:r>
+              <a:rPr lang="en-IN" b="1" i="0" dirty="0">
+                <a:solidFill>
+                  <a:schemeClr val="accent3"/>
+                </a:solidFill>
+                <a:effectLst/>
+                <a:latin typeface="Söhne"/>
+              </a:rPr>
+              <a:t>: </a:t>
+            </a:r>
+          </a:p>
+          <a:p>
+            <a:r>
+              <a:rPr lang="en-IN" b="0" i="0" dirty="0">
+                <a:solidFill>
+                  <a:srgbClr val="ECECEC"/>
+                </a:solidFill>
+                <a:effectLst/>
+                <a:latin typeface="Söhne"/>
+              </a:rPr>
+              <a:t>Bytecode manipulation-based mock framework (allows mocking of static methods, final classes, private methods, and constructors).</a:t>
+            </a:r>
+            <a:endParaRPr lang="en-IN" dirty="0"/>
+          </a:p>
+          <a:p>
+            <a:endParaRPr lang="en-IN" b="0" i="0" dirty="0">
+              <a:solidFill>
+                <a:srgbClr val="ECECEC"/>
+              </a:solidFill>
+              <a:effectLst/>
+              <a:latin typeface="Söhne"/>
+            </a:endParaRPr>
+          </a:p>
+          <a:p>
+            <a:endParaRPr lang="en-IN" dirty="0">
+              <a:solidFill>
+                <a:srgbClr val="ECECEC"/>
+              </a:solidFill>
+              <a:latin typeface="Söhne"/>
+            </a:endParaRPr>
+          </a:p>
+          <a:p>
+            <a:r>
+              <a:rPr lang="en-IN" b="1" i="0" dirty="0">
+                <a:solidFill>
+                  <a:schemeClr val="accent3"/>
+                </a:solidFill>
+                <a:effectLst/>
+                <a:latin typeface="Söhne"/>
+              </a:rPr>
+              <a:t>Mockito: </a:t>
+            </a:r>
+          </a:p>
+          <a:p>
+            <a:r>
+              <a:rPr lang="en-IN" b="0" i="0" dirty="0">
+                <a:solidFill>
+                  <a:srgbClr val="ECECEC"/>
+                </a:solidFill>
+                <a:effectLst/>
+                <a:latin typeface="Söhne"/>
+              </a:rPr>
+              <a:t>Proxy-based mock framework (supports mocking of interfaces and classes, but with limitations around final classes, static methods, and private methods without additional setup).</a:t>
+            </a:r>
+            <a:endParaRPr lang="en-IN" dirty="0"/>
+          </a:p>
+        </p:txBody>
+      </p:sp>
+      <p:sp>
+        <p:nvSpPr>
+          <p:cNvPr id="6" name="Rectangle 2">
+            <a:extLst>
+              <a:ext uri="{FF2B5EF4-FFF2-40B4-BE49-F238E27FC236}">
+                <a16:creationId xmlns:a16="http://schemas.microsoft.com/office/drawing/2014/main" id="{4DFA1F9D-9AE1-0D32-D708-0969AEDD7B03}"/>
+              </a:ext>
+            </a:extLst>
+          </p:cNvPr>
+          <p:cNvSpPr>
+            <a:spLocks noChangeArrowheads="1"/>
+          </p:cNvSpPr>
+          <p:nvPr/>
+        </p:nvSpPr>
+        <p:spPr bwMode="auto">
+          <a:xfrm>
+            <a:off x="0" y="0"/>
+            <a:ext cx="3784600" cy="0"/>
+          </a:xfrm>
+          <a:prstGeom prst="rect">
+            <a:avLst/>
+          </a:prstGeom>
+          <a:solidFill>
+            <a:srgbClr val="212121"/>
+          </a:solidFill>
+          <a:ln>
+            <a:noFill/>
+          </a:ln>
+          <a:effectLst/>
+          <a:extLst>
+            <a:ext uri="{91240B29-F687-4F45-9708-019B960494DF}">
+              <a14:hiddenLine xmlns:a14="http://schemas.microsoft.com/office/drawing/2010/main" w="9525">
+                <a:solidFill>
+                  <a:schemeClr val="tx1"/>
+                </a:solidFill>
+                <a:miter lim="800000"/>
+                <a:headEnd/>
+                <a:tailEnd/>
+              </a14:hiddenLine>
+            </a:ext>
+            <a:ext uri="{AF507438-7753-43E0-B8FC-AC1667EBCBE1}">
+              <a14:hiddenEffects xmlns:a14="http://schemas.microsoft.com/office/drawing/2010/main">
+                <a:effectLst>
+                  <a:outerShdw dist="35921" dir="2700000" algn="ctr" rotWithShape="0">
+                    <a:schemeClr val="bg2"/>
+                  </a:outerShdw>
+                </a:effectLst>
+              </a14:hiddenEffects>
+            </a:ext>
+          </a:extLst>
+        </p:spPr>
+        <p:txBody>
+          <a:bodyPr vert="horz" wrap="none" lIns="91440" tIns="45720" rIns="91440" bIns="45720" numCol="1" anchor="ctr" anchorCtr="0" compatLnSpc="1">
+            <a:prstTxWarp prst="textNoShape">
+              <a:avLst/>
+            </a:prstTxWarp>
+            <a:spAutoFit/>
+          </a:bodyPr>
+          <a:lstStyle/>
+          <a:p>
+            <a:pPr marL="0" marR="0" lvl="0" indent="0" algn="l" defTabSz="914400" rtl="0" eaLnBrk="0" fontAlgn="base" latinLnBrk="0" hangingPunct="0">
+              <a:lnSpc>
+                <a:spcPct val="100000"/>
+              </a:lnSpc>
+              <a:spcBef>
+                <a:spcPct val="0"/>
+              </a:spcBef>
+              <a:spcAft>
+                <a:spcPct val="0"/>
+              </a:spcAft>
+              <a:buClrTx/>
+              <a:buSzTx/>
+              <a:buFontTx/>
+              <a:buNone/>
+              <a:tabLst/>
+            </a:pPr>
+            <a:br>
+              <a:rPr kumimoji="0" lang="en-US" altLang="en-US" sz="1000" b="0" i="0" u="none" strike="noStrike" cap="none" normalizeH="0" baseline="0">
+                <a:ln>
+                  <a:noFill/>
+                </a:ln>
+                <a:solidFill>
+                  <a:schemeClr val="tx1"/>
+                </a:solidFill>
+                <a:effectLst/>
+                <a:latin typeface="Söhne"/>
+              </a:rPr>
+            </a:br>
+            <a:endParaRPr kumimoji="0" lang="en-US" altLang="en-US" sz="1800" b="0" i="0" u="none" strike="noStrike" cap="none" normalizeH="0" baseline="0">
+              <a:ln>
+                <a:noFill/>
+              </a:ln>
+              <a:solidFill>
+                <a:schemeClr val="tx1"/>
+              </a:solidFill>
+              <a:effectLst/>
+              <a:latin typeface="Arial" panose="020B0604020202020204" pitchFamily="34" charset="0"/>
+            </a:endParaRPr>
+          </a:p>
+        </p:txBody>
+      </p:sp>
     </p:spTree>
     <p:extLst>
       <p:ext uri="{BB962C8B-B14F-4D97-AF65-F5344CB8AC3E}">
         <p14:creationId xmlns:p14="http://schemas.microsoft.com/office/powerpoint/2010/main" val="3802189547"/>
+      </p:ext>
+    </p:extLst>
+  </p:cSld>
+  <p:clrMapOvr>
+    <a:overrideClrMapping bg1="dk1" tx1="lt1" bg2="dk2" tx2="lt2" accent1="accent1" accent2="accent2" accent3="accent3" accent4="accent4" accent5="accent5" accent6="accent6" hlink="hlink" folHlink="folHlink"/>
+  </p:clrMapOvr>
+</p:sld>
+</file>
+
+<file path=ppt/slides/slide13.xml><?xml version="1.0" encoding="utf-8"?>
+<p:sld xmlns:a="http://schemas.openxmlformats.org/drawingml/2006/main" xmlns:r="http://schemas.openxmlformats.org/officeDocument/2006/relationships" xmlns:p="http://schemas.openxmlformats.org/presentationml/2006/main">
+  <p:cSld>
+    <p:bg>
+      <p:bgPr>
+        <a:solidFill>
+          <a:schemeClr val="bg2"/>
+        </a:solidFill>
+        <a:effectLst/>
+      </p:bgPr>
+    </p:bg>
+    <p:spTree>
+      <p:nvGrpSpPr>
+        <p:cNvPr id="1" name="">
+          <a:extLst>
+            <a:ext uri="{FF2B5EF4-FFF2-40B4-BE49-F238E27FC236}">
+              <a16:creationId xmlns:a16="http://schemas.microsoft.com/office/drawing/2014/main" id="{8B820703-8558-4177-430D-34F90DF0B4C4}"/>
+            </a:ext>
+          </a:extLst>
+        </p:cNvPr>
+        <p:cNvGrpSpPr/>
+        <p:nvPr/>
+      </p:nvGrpSpPr>
+      <p:grpSpPr>
+        <a:xfrm>
+          <a:off x="0" y="0"/>
+          <a:ext cx="0" cy="0"/>
+          <a:chOff x="0" y="0"/>
+          <a:chExt cx="0" cy="0"/>
+        </a:xfrm>
+      </p:grpSpPr>
+      <p:sp useBgFill="1">
+        <p:nvSpPr>
+          <p:cNvPr id="34" name="Rectangle 33">
+            <a:extLst>
+              <a:ext uri="{FF2B5EF4-FFF2-40B4-BE49-F238E27FC236}">
+                <a16:creationId xmlns:a16="http://schemas.microsoft.com/office/drawing/2014/main" id="{E5A92FE9-DB05-4D0D-AF5A-BE8664B9FFB4}"/>
+              </a:ext>
+              <a:ext uri="{C183D7F6-B498-43B3-948B-1728B52AA6E4}">
+                <adec:decorative xmlns:adec="http://schemas.microsoft.com/office/drawing/2017/decorative" val="1"/>
+              </a:ext>
+            </a:extLst>
+          </p:cNvPr>
+          <p:cNvSpPr>
+            <a:spLocks noGrp="1" noRot="1" noChangeAspect="1" noMove="1" noResize="1" noEditPoints="1" noAdjustHandles="1" noChangeArrowheads="1" noChangeShapeType="1" noTextEdit="1"/>
+          </p:cNvSpPr>
+          <p:nvPr>
+            <p:extLst>
+              <p:ext uri="{386F3935-93C4-4BCD-93E2-E3B085C9AB24}">
+                <p16:designElem xmlns:p16="http://schemas.microsoft.com/office/powerpoint/2015/main" val="1"/>
+              </p:ext>
+            </p:extLst>
+          </p:nvPr>
+        </p:nvSpPr>
+        <p:spPr>
+          <a:xfrm>
+            <a:off x="0" y="0"/>
+            <a:ext cx="12192000" cy="6858000"/>
+          </a:xfrm>
+          <a:prstGeom prst="rect">
+            <a:avLst/>
+          </a:prstGeom>
+          <a:ln>
+            <a:noFill/>
+          </a:ln>
+        </p:spPr>
+        <p:style>
+          <a:lnRef idx="2">
+            <a:schemeClr val="accent1">
+              <a:shade val="50000"/>
+            </a:schemeClr>
+          </a:lnRef>
+          <a:fillRef idx="1">
+            <a:schemeClr val="accent1"/>
+          </a:fillRef>
+          <a:effectRef idx="0">
+            <a:schemeClr val="accent1"/>
+          </a:effectRef>
+          <a:fontRef idx="minor">
+            <a:schemeClr val="lt1"/>
+          </a:fontRef>
+        </p:style>
+        <p:txBody>
+          <a:bodyPr rtlCol="0" anchor="ctr"/>
+          <a:lstStyle/>
+          <a:p>
+            <a:pPr algn="ctr"/>
+            <a:endParaRPr lang="en-US" dirty="0"/>
+          </a:p>
+        </p:txBody>
+      </p:sp>
+      <p:grpSp>
+        <p:nvGrpSpPr>
+          <p:cNvPr id="36" name="Group 35">
+            <a:extLst>
+              <a:ext uri="{FF2B5EF4-FFF2-40B4-BE49-F238E27FC236}">
+                <a16:creationId xmlns:a16="http://schemas.microsoft.com/office/drawing/2014/main" id="{53D9B26A-5143-49A7-BA98-D871D5BD719A}"/>
+              </a:ext>
+              <a:ext uri="{C183D7F6-B498-43B3-948B-1728B52AA6E4}">
+                <adec:decorative xmlns:adec="http://schemas.microsoft.com/office/drawing/2017/decorative" val="1"/>
+              </a:ext>
+            </a:extLst>
+          </p:cNvPr>
+          <p:cNvGrpSpPr>
+            <a:grpSpLocks noGrp="1" noUngrp="1" noRot="1" noChangeAspect="1" noMove="1" noResize="1"/>
+          </p:cNvGrpSpPr>
+          <p:nvPr>
+            <p:extLst>
+              <p:ext uri="{386F3935-93C4-4BCD-93E2-E3B085C9AB24}">
+                <p16:designElem xmlns:p16="http://schemas.microsoft.com/office/powerpoint/2015/main" val="1"/>
+              </p:ext>
+            </p:extLst>
+          </p:nvPr>
+        </p:nvGrpSpPr>
+        <p:grpSpPr>
+          <a:xfrm flipH="1">
+            <a:off x="6526211" y="1"/>
+            <a:ext cx="5014912" cy="6857999"/>
+            <a:chOff x="2928938" y="-4763"/>
+            <a:chExt cx="5014912" cy="6862763"/>
+          </a:xfrm>
+        </p:grpSpPr>
+        <p:sp>
+          <p:nvSpPr>
+            <p:cNvPr id="37" name="Freeform 6">
+              <a:extLst>
+                <a:ext uri="{FF2B5EF4-FFF2-40B4-BE49-F238E27FC236}">
+                  <a16:creationId xmlns:a16="http://schemas.microsoft.com/office/drawing/2014/main" id="{68B85E55-A2A1-4682-B891-F201358A92D5}"/>
+                </a:ext>
+                <a:ext uri="{C183D7F6-B498-43B3-948B-1728B52AA6E4}">
+                  <adec:decorative xmlns:adec="http://schemas.microsoft.com/office/drawing/2017/decorative" val="1"/>
+                </a:ext>
+              </a:extLst>
+            </p:cNvPr>
+            <p:cNvSpPr/>
+            <p:nvPr>
+              <p:extLst>
+                <p:ext uri="{386F3935-93C4-4BCD-93E2-E3B085C9AB24}">
+                  <p16:designElem xmlns:p16="http://schemas.microsoft.com/office/powerpoint/2015/main" val="1"/>
+                </p:ext>
+              </p:extLst>
+            </p:nvPr>
+          </p:nvSpPr>
+          <p:spPr bwMode="auto">
+            <a:xfrm>
+              <a:off x="3367088" y="-4763"/>
+              <a:ext cx="1063625" cy="2782888"/>
+            </a:xfrm>
+            <a:custGeom>
+              <a:avLst/>
+              <a:gdLst/>
+              <a:ahLst/>
+              <a:cxnLst/>
+              <a:rect l="0" t="0" r="r" b="b"/>
+              <a:pathLst>
+                <a:path w="670" h="1753">
+                  <a:moveTo>
+                    <a:pt x="0" y="1696"/>
+                  </a:moveTo>
+                  <a:lnTo>
+                    <a:pt x="225" y="1753"/>
+                  </a:lnTo>
+                  <a:lnTo>
+                    <a:pt x="670" y="0"/>
+                  </a:lnTo>
+                  <a:lnTo>
+                    <a:pt x="430" y="0"/>
+                  </a:lnTo>
+                  <a:lnTo>
+                    <a:pt x="0" y="1696"/>
+                  </a:lnTo>
+                  <a:close/>
+                </a:path>
+              </a:pathLst>
+            </a:custGeom>
+            <a:solidFill>
+              <a:schemeClr val="accent1"/>
+            </a:solidFill>
+            <a:ln>
+              <a:noFill/>
+            </a:ln>
+          </p:spPr>
+        </p:sp>
+        <p:sp>
+          <p:nvSpPr>
+            <p:cNvPr id="38" name="Freeform 7">
+              <a:extLst>
+                <a:ext uri="{FF2B5EF4-FFF2-40B4-BE49-F238E27FC236}">
+                  <a16:creationId xmlns:a16="http://schemas.microsoft.com/office/drawing/2014/main" id="{45EF6EDB-9B5D-49E9-96FA-1AE08BF95E57}"/>
+                </a:ext>
+                <a:ext uri="{C183D7F6-B498-43B3-948B-1728B52AA6E4}">
+                  <adec:decorative xmlns:adec="http://schemas.microsoft.com/office/drawing/2017/decorative" val="1"/>
+                </a:ext>
+              </a:extLst>
+            </p:cNvPr>
+            <p:cNvSpPr/>
+            <p:nvPr>
+              <p:extLst>
+                <p:ext uri="{386F3935-93C4-4BCD-93E2-E3B085C9AB24}">
+                  <p16:designElem xmlns:p16="http://schemas.microsoft.com/office/powerpoint/2015/main" val="1"/>
+                </p:ext>
+              </p:extLst>
+            </p:nvPr>
+          </p:nvSpPr>
+          <p:spPr bwMode="auto">
+            <a:xfrm>
+              <a:off x="2928938" y="-4763"/>
+              <a:ext cx="1035050" cy="2673350"/>
+            </a:xfrm>
+            <a:custGeom>
+              <a:avLst/>
+              <a:gdLst/>
+              <a:ahLst/>
+              <a:cxnLst/>
+              <a:rect l="0" t="0" r="r" b="b"/>
+              <a:pathLst>
+                <a:path w="652" h="1684">
+                  <a:moveTo>
+                    <a:pt x="225" y="1684"/>
+                  </a:moveTo>
+                  <a:lnTo>
+                    <a:pt x="652" y="0"/>
+                  </a:lnTo>
+                  <a:lnTo>
+                    <a:pt x="411" y="0"/>
+                  </a:lnTo>
+                  <a:lnTo>
+                    <a:pt x="0" y="1627"/>
+                  </a:lnTo>
+                  <a:lnTo>
+                    <a:pt x="219" y="1681"/>
+                  </a:lnTo>
+                  <a:lnTo>
+                    <a:pt x="225" y="1684"/>
+                  </a:lnTo>
+                  <a:close/>
+                </a:path>
+              </a:pathLst>
+            </a:custGeom>
+            <a:solidFill>
+              <a:srgbClr val="595959"/>
+            </a:solidFill>
+            <a:ln>
+              <a:noFill/>
+            </a:ln>
+          </p:spPr>
+        </p:sp>
+        <p:sp>
+          <p:nvSpPr>
+            <p:cNvPr id="39" name="Freeform 12">
+              <a:extLst>
+                <a:ext uri="{FF2B5EF4-FFF2-40B4-BE49-F238E27FC236}">
+                  <a16:creationId xmlns:a16="http://schemas.microsoft.com/office/drawing/2014/main" id="{38338226-D6E2-4EEE-B271-DB4BD096DBA1}"/>
+                </a:ext>
+                <a:ext uri="{C183D7F6-B498-43B3-948B-1728B52AA6E4}">
+                  <adec:decorative xmlns:adec="http://schemas.microsoft.com/office/drawing/2017/decorative" val="1"/>
+                </a:ext>
+              </a:extLst>
+            </p:cNvPr>
+            <p:cNvSpPr/>
+            <p:nvPr>
+              <p:extLst>
+                <p:ext uri="{386F3935-93C4-4BCD-93E2-E3B085C9AB24}">
+                  <p16:designElem xmlns:p16="http://schemas.microsoft.com/office/powerpoint/2015/main" val="1"/>
+                </p:ext>
+              </p:extLst>
+            </p:nvPr>
+          </p:nvSpPr>
+          <p:spPr bwMode="auto">
+            <a:xfrm>
+              <a:off x="2928938" y="2582862"/>
+              <a:ext cx="2693987" cy="4275138"/>
+            </a:xfrm>
+            <a:custGeom>
+              <a:avLst/>
+              <a:gdLst/>
+              <a:ahLst/>
+              <a:cxnLst/>
+              <a:rect l="0" t="0" r="r" b="b"/>
+              <a:pathLst>
+                <a:path w="1697" h="2693">
+                  <a:moveTo>
+                    <a:pt x="0" y="0"/>
+                  </a:moveTo>
+                  <a:lnTo>
+                    <a:pt x="1622" y="2693"/>
+                  </a:lnTo>
+                  <a:lnTo>
+                    <a:pt x="1697" y="2693"/>
+                  </a:lnTo>
+                  <a:lnTo>
+                    <a:pt x="0" y="0"/>
+                  </a:lnTo>
+                  <a:close/>
+                </a:path>
+              </a:pathLst>
+            </a:custGeom>
+            <a:solidFill>
+              <a:srgbClr val="262626"/>
+            </a:solidFill>
+            <a:ln>
+              <a:noFill/>
+            </a:ln>
+          </p:spPr>
+        </p:sp>
+        <p:sp>
+          <p:nvSpPr>
+            <p:cNvPr id="40" name="Freeform 13">
+              <a:extLst>
+                <a:ext uri="{FF2B5EF4-FFF2-40B4-BE49-F238E27FC236}">
+                  <a16:creationId xmlns:a16="http://schemas.microsoft.com/office/drawing/2014/main" id="{4878FB48-17B3-4A11-8025-DE0945CD4E71}"/>
+                </a:ext>
+                <a:ext uri="{C183D7F6-B498-43B3-948B-1728B52AA6E4}">
+                  <adec:decorative xmlns:adec="http://schemas.microsoft.com/office/drawing/2017/decorative" val="1"/>
+                </a:ext>
+              </a:extLst>
+            </p:cNvPr>
+            <p:cNvSpPr/>
+            <p:nvPr>
+              <p:extLst>
+                <p:ext uri="{386F3935-93C4-4BCD-93E2-E3B085C9AB24}">
+                  <p16:designElem xmlns:p16="http://schemas.microsoft.com/office/powerpoint/2015/main" val="1"/>
+                </p:ext>
+              </p:extLst>
+            </p:nvPr>
+          </p:nvSpPr>
+          <p:spPr bwMode="auto">
+            <a:xfrm>
+              <a:off x="3371850" y="2692400"/>
+              <a:ext cx="3332162" cy="4165600"/>
+            </a:xfrm>
+            <a:custGeom>
+              <a:avLst/>
+              <a:gdLst/>
+              <a:ahLst/>
+              <a:cxnLst/>
+              <a:rect l="0" t="0" r="r" b="b"/>
+              <a:pathLst>
+                <a:path w="2099" h="2624">
+                  <a:moveTo>
+                    <a:pt x="2099" y="2624"/>
+                  </a:moveTo>
+                  <a:lnTo>
+                    <a:pt x="0" y="0"/>
+                  </a:lnTo>
+                  <a:lnTo>
+                    <a:pt x="2021" y="2624"/>
+                  </a:lnTo>
+                  <a:lnTo>
+                    <a:pt x="2099" y="2624"/>
+                  </a:lnTo>
+                  <a:close/>
+                </a:path>
+              </a:pathLst>
+            </a:custGeom>
+            <a:solidFill>
+              <a:schemeClr val="accent1">
+                <a:lumMod val="50000"/>
+              </a:schemeClr>
+            </a:solidFill>
+            <a:ln>
+              <a:noFill/>
+            </a:ln>
+          </p:spPr>
+        </p:sp>
+        <p:sp>
+          <p:nvSpPr>
+            <p:cNvPr id="41" name="Freeform 14">
+              <a:extLst>
+                <a:ext uri="{FF2B5EF4-FFF2-40B4-BE49-F238E27FC236}">
+                  <a16:creationId xmlns:a16="http://schemas.microsoft.com/office/drawing/2014/main" id="{4150A21C-DD6D-4D3C-9E95-7A3CA263BEB9}"/>
+                </a:ext>
+                <a:ext uri="{C183D7F6-B498-43B3-948B-1728B52AA6E4}">
+                  <adec:decorative xmlns:adec="http://schemas.microsoft.com/office/drawing/2017/decorative" val="1"/>
+                </a:ext>
+              </a:extLst>
+            </p:cNvPr>
+            <p:cNvSpPr/>
+            <p:nvPr>
+              <p:extLst>
+                <p:ext uri="{386F3935-93C4-4BCD-93E2-E3B085C9AB24}">
+                  <p16:designElem xmlns:p16="http://schemas.microsoft.com/office/powerpoint/2015/main" val="1"/>
+                </p:ext>
+              </p:extLst>
+            </p:nvPr>
+          </p:nvSpPr>
+          <p:spPr bwMode="auto">
+            <a:xfrm>
+              <a:off x="3367088" y="2687637"/>
+              <a:ext cx="4576762" cy="4170363"/>
+            </a:xfrm>
+            <a:custGeom>
+              <a:avLst/>
+              <a:gdLst/>
+              <a:ahLst/>
+              <a:cxnLst/>
+              <a:rect l="0" t="0" r="r" b="b"/>
+              <a:pathLst>
+                <a:path w="2883" h="2627">
+                  <a:moveTo>
+                    <a:pt x="0" y="0"/>
+                  </a:moveTo>
+                  <a:lnTo>
+                    <a:pt x="3" y="3"/>
+                  </a:lnTo>
+                  <a:lnTo>
+                    <a:pt x="2102" y="2627"/>
+                  </a:lnTo>
+                  <a:lnTo>
+                    <a:pt x="2883" y="2627"/>
+                  </a:lnTo>
+                  <a:lnTo>
+                    <a:pt x="225" y="57"/>
+                  </a:lnTo>
+                  <a:lnTo>
+                    <a:pt x="0" y="0"/>
+                  </a:lnTo>
+                  <a:close/>
+                </a:path>
+              </a:pathLst>
+            </a:custGeom>
+            <a:solidFill>
+              <a:schemeClr val="accent1">
+                <a:lumMod val="75000"/>
+              </a:schemeClr>
+            </a:solidFill>
+            <a:ln>
+              <a:noFill/>
+            </a:ln>
+          </p:spPr>
+        </p:sp>
+        <p:sp>
+          <p:nvSpPr>
+            <p:cNvPr id="42" name="Freeform 15">
+              <a:extLst>
+                <a:ext uri="{FF2B5EF4-FFF2-40B4-BE49-F238E27FC236}">
+                  <a16:creationId xmlns:a16="http://schemas.microsoft.com/office/drawing/2014/main" id="{7505BF04-104D-4180-A284-42FCD6B04DD6}"/>
+                </a:ext>
+                <a:ext uri="{C183D7F6-B498-43B3-948B-1728B52AA6E4}">
+                  <adec:decorative xmlns:adec="http://schemas.microsoft.com/office/drawing/2017/decorative" val="1"/>
+                </a:ext>
+              </a:extLst>
+            </p:cNvPr>
+            <p:cNvSpPr/>
+            <p:nvPr>
+              <p:extLst>
+                <p:ext uri="{386F3935-93C4-4BCD-93E2-E3B085C9AB24}">
+                  <p16:designElem xmlns:p16="http://schemas.microsoft.com/office/powerpoint/2015/main" val="1"/>
+                </p:ext>
+              </p:extLst>
+            </p:nvPr>
+          </p:nvSpPr>
+          <p:spPr bwMode="auto">
+            <a:xfrm>
+              <a:off x="2928938" y="2578100"/>
+              <a:ext cx="3584575" cy="4279900"/>
+            </a:xfrm>
+            <a:custGeom>
+              <a:avLst/>
+              <a:gdLst/>
+              <a:ahLst/>
+              <a:cxnLst/>
+              <a:rect l="0" t="0" r="r" b="b"/>
+              <a:pathLst>
+                <a:path w="2258" h="2696">
+                  <a:moveTo>
+                    <a:pt x="2258" y="2696"/>
+                  </a:moveTo>
+                  <a:lnTo>
+                    <a:pt x="264" y="111"/>
+                  </a:lnTo>
+                  <a:lnTo>
+                    <a:pt x="228" y="60"/>
+                  </a:lnTo>
+                  <a:lnTo>
+                    <a:pt x="225" y="57"/>
+                  </a:lnTo>
+                  <a:lnTo>
+                    <a:pt x="0" y="0"/>
+                  </a:lnTo>
+                  <a:lnTo>
+                    <a:pt x="0" y="3"/>
+                  </a:lnTo>
+                  <a:lnTo>
+                    <a:pt x="1697" y="2696"/>
+                  </a:lnTo>
+                  <a:lnTo>
+                    <a:pt x="2258" y="2696"/>
+                  </a:lnTo>
+                  <a:close/>
+                </a:path>
+              </a:pathLst>
+            </a:custGeom>
+            <a:solidFill>
+              <a:srgbClr val="404040"/>
+            </a:solidFill>
+            <a:ln>
+              <a:noFill/>
+            </a:ln>
+          </p:spPr>
+        </p:sp>
+      </p:grpSp>
+      <p:sp>
+        <p:nvSpPr>
+          <p:cNvPr id="2" name="TextBox 1">
+            <a:extLst>
+              <a:ext uri="{FF2B5EF4-FFF2-40B4-BE49-F238E27FC236}">
+                <a16:creationId xmlns:a16="http://schemas.microsoft.com/office/drawing/2014/main" id="{8B401B3B-1C60-996E-CA90-F7DD33479DAE}"/>
+              </a:ext>
+            </a:extLst>
+          </p:cNvPr>
+          <p:cNvSpPr txBox="1"/>
+          <p:nvPr/>
+        </p:nvSpPr>
+        <p:spPr>
+          <a:xfrm>
+            <a:off x="1018190" y="924232"/>
+            <a:ext cx="8174971" cy="3285866"/>
+          </a:xfrm>
+          <a:prstGeom prst="rect">
+            <a:avLst/>
+          </a:prstGeom>
+        </p:spPr>
+        <p:txBody>
+          <a:bodyPr vert="horz" lIns="91440" tIns="45720" rIns="91440" bIns="45720" rtlCol="0" anchor="b">
+            <a:normAutofit/>
+          </a:bodyPr>
+          <a:lstStyle/>
+          <a:p>
+            <a:pPr>
+              <a:spcBef>
+                <a:spcPct val="0"/>
+              </a:spcBef>
+              <a:spcAft>
+                <a:spcPts val="600"/>
+              </a:spcAft>
+            </a:pPr>
+            <a:r>
+              <a:rPr lang="en-US" sz="4800" b="1" dirty="0">
+                <a:ln w="3175" cmpd="sng">
+                  <a:noFill/>
+                </a:ln>
+                <a:solidFill>
+                  <a:srgbClr val="00B050"/>
+                </a:solidFill>
+                <a:latin typeface="+mj-lt"/>
+                <a:ea typeface="+mj-ea"/>
+                <a:cs typeface="+mj-cs"/>
+              </a:rPr>
+              <a:t>Thank You All…..</a:t>
+            </a:r>
+          </a:p>
+        </p:txBody>
+      </p:sp>
+    </p:spTree>
+    <p:extLst>
+      <p:ext uri="{BB962C8B-B14F-4D97-AF65-F5344CB8AC3E}">
+        <p14:creationId xmlns:p14="http://schemas.microsoft.com/office/powerpoint/2010/main" val="85776258"/>
       </p:ext>
     </p:extLst>
   </p:cSld>
@@ -10947,53 +11676,6 @@
           </p:txBody>
         </p:sp>
       </p:grpSp>
-      <p:pic>
-        <p:nvPicPr>
-          <p:cNvPr id="1026" name="Picture 2" descr="A Comprehensive Guide On JUnit 5 Extensions">
-            <a:extLst>
-              <a:ext uri="{FF2B5EF4-FFF2-40B4-BE49-F238E27FC236}">
-                <a16:creationId xmlns:a16="http://schemas.microsoft.com/office/drawing/2014/main" id="{25D8FD05-553C-BAA3-9B06-D3508B131AFB}"/>
-              </a:ext>
-            </a:extLst>
-          </p:cNvPr>
-          <p:cNvPicPr>
-            <a:picLocks noChangeAspect="1" noChangeArrowheads="1"/>
-          </p:cNvPicPr>
-          <p:nvPr/>
-        </p:nvPicPr>
-        <p:blipFill>
-          <a:blip r:embed="rId2">
-            <a:extLst>
-              <a:ext uri="{28A0092B-C50C-407E-A947-70E740481C1C}">
-                <a14:useLocalDpi xmlns:a14="http://schemas.microsoft.com/office/drawing/2010/main" val="0"/>
-              </a:ext>
-            </a:extLst>
-          </a:blip>
-          <a:srcRect/>
-          <a:stretch>
-            <a:fillRect/>
-          </a:stretch>
-        </p:blipFill>
-        <p:spPr bwMode="auto">
-          <a:xfrm>
-            <a:off x="539547" y="1557639"/>
-            <a:ext cx="6488776" cy="4894077"/>
-          </a:xfrm>
-          <a:prstGeom prst="rect">
-            <a:avLst/>
-          </a:prstGeom>
-          <a:noFill/>
-          <a:extLst>
-            <a:ext uri="{909E8E84-426E-40DD-AFC4-6F175D3DCCD1}">
-              <a14:hiddenFill xmlns:a14="http://schemas.microsoft.com/office/drawing/2010/main">
-                <a:solidFill>
-                  <a:srgbClr val="FFFFFF"/>
-                </a:solidFill>
-              </a14:hiddenFill>
-            </a:ext>
-          </a:extLst>
-        </p:spPr>
-      </p:pic>
       <p:sp>
         <p:nvSpPr>
           <p:cNvPr id="2" name="TextBox 1">
@@ -11033,6 +11715,36 @@
           </a:p>
         </p:txBody>
       </p:sp>
+      <p:pic>
+        <p:nvPicPr>
+          <p:cNvPr id="7" name="Picture 6" descr="A diagram of a software company&#10;&#10;Description automatically generated">
+            <a:extLst>
+              <a:ext uri="{FF2B5EF4-FFF2-40B4-BE49-F238E27FC236}">
+                <a16:creationId xmlns:a16="http://schemas.microsoft.com/office/drawing/2014/main" id="{BDAEE5C1-0ECE-8BA3-9EED-9604976C4545}"/>
+              </a:ext>
+            </a:extLst>
+          </p:cNvPr>
+          <p:cNvPicPr>
+            <a:picLocks noChangeAspect="1"/>
+          </p:cNvPicPr>
+          <p:nvPr/>
+        </p:nvPicPr>
+        <p:blipFill>
+          <a:blip r:embed="rId2"/>
+          <a:stretch>
+            <a:fillRect/>
+          </a:stretch>
+        </p:blipFill>
+        <p:spPr>
+          <a:xfrm>
+            <a:off x="810882" y="1734151"/>
+            <a:ext cx="5996736" cy="4591251"/>
+          </a:xfrm>
+          <a:prstGeom prst="rect">
+            <a:avLst/>
+          </a:prstGeom>
+        </p:spPr>
+      </p:pic>
     </p:spTree>
     <p:extLst>
       <p:ext uri="{BB962C8B-B14F-4D97-AF65-F5344CB8AC3E}">
@@ -14428,38 +15140,53 @@
       </p:grpSp>
       <p:pic>
         <p:nvPicPr>
-          <p:cNvPr id="7" name="Picture 6">
+          <p:cNvPr id="1026" name="Picture 2" descr="Building Microservices REST APIs Using Spring Data REST training">
             <a:extLst>
               <a:ext uri="{FF2B5EF4-FFF2-40B4-BE49-F238E27FC236}">
-                <a16:creationId xmlns:a16="http://schemas.microsoft.com/office/drawing/2014/main" id="{1432848D-5F55-DA4F-F4DB-626B78244301}"/>
+                <a16:creationId xmlns:a16="http://schemas.microsoft.com/office/drawing/2014/main" id="{466705A5-005A-7DA3-58F5-EC9A3CBFD3B2}"/>
               </a:ext>
             </a:extLst>
           </p:cNvPr>
           <p:cNvPicPr>
-            <a:picLocks noChangeAspect="1"/>
+            <a:picLocks noChangeAspect="1" noChangeArrowheads="1"/>
           </p:cNvPicPr>
           <p:nvPr/>
         </p:nvPicPr>
-        <p:blipFill>
-          <a:blip r:embed="rId2"/>
-          <a:stretch>
-            <a:fillRect/>
-          </a:stretch>
+        <p:blipFill rotWithShape="1">
+          <a:blip r:embed="rId2">
+            <a:extLst>
+              <a:ext uri="{28A0092B-C50C-407E-A947-70E740481C1C}">
+                <a14:useLocalDpi xmlns:a14="http://schemas.microsoft.com/office/drawing/2010/main" val="0"/>
+              </a:ext>
+            </a:extLst>
+          </a:blip>
+          <a:srcRect t="80" r="68" b="1"/>
+          <a:stretch/>
         </p:blipFill>
-        <p:spPr>
+        <p:spPr bwMode="auto">
           <a:xfrm>
-            <a:off x="752322" y="1068087"/>
-            <a:ext cx="7430144" cy="4328535"/>
+            <a:off x="377175" y="531449"/>
+            <a:ext cx="7819084" cy="4099243"/>
           </a:xfrm>
           <a:prstGeom prst="rect">
             <a:avLst/>
           </a:prstGeom>
+          <a:noFill/>
+          <a:extLst>
+            <a:ext uri="{909E8E84-426E-40DD-AFC4-6F175D3DCCD1}">
+              <a14:hiddenFill xmlns:a14="http://schemas.microsoft.com/office/drawing/2010/main">
+                <a:solidFill>
+                  <a:srgbClr val="FFFFFF"/>
+                </a:solidFill>
+              </a14:hiddenFill>
+            </a:ext>
+          </a:extLst>
         </p:spPr>
       </p:pic>
     </p:spTree>
     <p:extLst>
       <p:ext uri="{BB962C8B-B14F-4D97-AF65-F5344CB8AC3E}">
-        <p14:creationId xmlns:p14="http://schemas.microsoft.com/office/powerpoint/2010/main" val="2876410165"/>
+        <p14:creationId xmlns:p14="http://schemas.microsoft.com/office/powerpoint/2010/main" val="2975346590"/>
       </p:ext>
     </p:extLst>
   </p:cSld>
